--- a/presentation-vadrevu.pptx
+++ b/presentation-vadrevu.pptx
@@ -4880,7 +4880,7 @@
         </p:spPr>
         <p:txBody>
           <a:bodyPr>
-            <a:normAutofit lnSpcReduction="10000"/>
+            <a:normAutofit/>
           </a:bodyPr>
           <a:lstStyle/>
           <a:p>
@@ -4916,41 +4916,41 @@
             </a:r>
           </a:p>
           <a:p>
-            <a:pPr>
-              <a:buFont typeface="Arial" charset="0"/>
-              <a:buChar char="•"/>
-            </a:pPr>
-            <a:r>
-              <a:rPr lang="en-US" dirty="0" smtClean="0"/>
-              <a:t>For all nodes from fastest sample rates to slowest</a:t>
-            </a:r>
-          </a:p>
-          <a:p>
             <a:pPr lvl="1">
               <a:buFont typeface="Arial" charset="0"/>
               <a:buChar char="•"/>
             </a:pPr>
             <a:r>
-              <a:rPr lang="en-US" dirty="0"/>
-              <a:t>S</a:t>
-            </a:r>
-            <a:r>
-              <a:rPr lang="en-US" dirty="0" smtClean="0"/>
-              <a:t>chedule primary and retry links for publishing data</a:t>
-            </a:r>
-          </a:p>
-          <a:p>
-            <a:pPr lvl="1">
+              <a:rPr lang="en-US" dirty="0" smtClean="0"/>
+              <a:t>For all nodes from fastest sample rates to slowest</a:t>
+            </a:r>
+          </a:p>
+          <a:p>
+            <a:pPr lvl="2">
               <a:buFont typeface="Arial" charset="0"/>
               <a:buChar char="•"/>
             </a:pPr>
             <a:r>
+              <a:rPr lang="en-US" dirty="0"/>
+              <a:t>S</a:t>
+            </a:r>
+            <a:r>
+              <a:rPr lang="en-US" dirty="0" smtClean="0"/>
+              <a:t>chedule primary and retry links for publishing data</a:t>
+            </a:r>
+          </a:p>
+          <a:p>
+            <a:pPr lvl="2">
+              <a:buFont typeface="Arial" charset="0"/>
+              <a:buChar char="•"/>
+            </a:pPr>
+            <a:r>
               <a:rPr lang="en-US" dirty="0" smtClean="0"/>
               <a:t>Schedule primary and retry links for control data</a:t>
             </a:r>
           </a:p>
           <a:p>
-            <a:pPr lvl="1">
+            <a:pPr lvl="2">
               <a:buFont typeface="Arial" charset="0"/>
               <a:buChar char="•"/>
             </a:pPr>
@@ -5636,7 +5636,7 @@
             </a:pPr>
             <a:r>
               <a:rPr lang="en-US" dirty="0" smtClean="0"/>
-              <a:t>The paper presents reliable counterparts of three routing graphs, algorithms for constructing them and scheduling them</a:t>
+              <a:t>The paper presents reliable routing graphs for mesh networks, algorithms for constructing them and scheduling communication</a:t>
             </a:r>
           </a:p>
         </p:txBody>
@@ -5791,7 +5791,7 @@
         <p:spPr>
           <a:xfrm>
             <a:off x="1097280" y="1845734"/>
-            <a:ext cx="6445437" cy="4023360"/>
+            <a:ext cx="6445437" cy="4340754"/>
           </a:xfrm>
         </p:spPr>
         <p:txBody>
@@ -5836,11 +5836,7 @@
             </a:pPr>
             <a:r>
               <a:rPr lang="en-US" dirty="0" smtClean="0"/>
-              <a:t>Mesh </a:t>
-            </a:r>
-            <a:r>
-              <a:rPr lang="en-US" dirty="0" smtClean="0"/>
-              <a:t>network</a:t>
+              <a:t>Mesh/star/hybrid network</a:t>
             </a:r>
             <a:endParaRPr lang="en-US" dirty="0" smtClean="0"/>
           </a:p>
@@ -5913,7 +5909,21 @@
             </a:pPr>
             <a:r>
               <a:rPr lang="en-US" dirty="0" smtClean="0"/>
-              <a:t>Access Point: Connects field devices and Gateway</a:t>
+              <a:t>Access Point: Connects field devices and </a:t>
+            </a:r>
+            <a:r>
+              <a:rPr lang="en-US" dirty="0" smtClean="0"/>
+              <a:t>Gateway</a:t>
+            </a:r>
+          </a:p>
+          <a:p>
+            <a:pPr lvl="1">
+              <a:buFont typeface="Arial" charset="0"/>
+              <a:buChar char="•"/>
+            </a:pPr>
+            <a:r>
+              <a:rPr lang="en-US" dirty="0" smtClean="0"/>
+              <a:t>Network Manager: Maintains graphs, manages schedules</a:t>
             </a:r>
             <a:endParaRPr lang="en-US" dirty="0"/>
           </a:p>
@@ -7348,7 +7358,11 @@
             </a:pPr>
             <a:r>
               <a:rPr lang="en-US" dirty="0" smtClean="0"/>
-              <a:t>Uplink graph is reliable if every device has at least two in-edges</a:t>
+              <a:t>Uplink graph is reliable if every device has at least </a:t>
+            </a:r>
+            <a:r>
+              <a:rPr lang="en-US" dirty="0" smtClean="0"/>
+              <a:t>two out-edges</a:t>
             </a:r>
             <a:endParaRPr lang="en-US" dirty="0"/>
           </a:p>
@@ -7456,7 +7470,7 @@
           <a:p>
             <a:r>
               <a:rPr lang="en-US" dirty="0" smtClean="0"/>
-              <a:t>Broadcast graph</a:t>
+              <a:t>Uplink graph</a:t>
             </a:r>
             <a:endParaRPr lang="en-US" dirty="0"/>
           </a:p>
@@ -7784,7 +7798,7 @@
         <p:spPr>
           <a:xfrm>
             <a:off x="1097280" y="1817158"/>
-            <a:ext cx="10058400" cy="4483630"/>
+            <a:ext cx="10058400" cy="4526492"/>
           </a:xfrm>
         </p:spPr>
         <p:txBody>
@@ -7899,11 +7913,19 @@
             </a:pPr>
             <a:r>
               <a:rPr lang="en-US" dirty="0" smtClean="0"/>
-              <a:t>If there are no reliable nodes at step 2, select node with maximum out-edges to explored </a:t>
-            </a:r>
-            <a:r>
-              <a:rPr lang="en-US" dirty="0" smtClean="0"/>
-              <a:t>nodes</a:t>
+              <a:t>If there are no reliable nodes at step 2, select node </a:t>
+            </a:r>
+            <a:r>
+              <a:rPr lang="en-US" dirty="0" smtClean="0"/>
+              <a:t>connected to an explored node with </a:t>
+            </a:r>
+            <a:r>
+              <a:rPr lang="en-US" dirty="0" smtClean="0"/>
+              <a:t>maximum out-edges to </a:t>
+            </a:r>
+            <a:r>
+              <a:rPr lang="en-US" dirty="0" smtClean="0"/>
+              <a:t>unexplored nodes</a:t>
             </a:r>
           </a:p>
           <a:p>
@@ -8395,7 +8417,15 @@
             </a:pPr>
             <a:r>
               <a:rPr lang="en-US" dirty="0" smtClean="0"/>
-              <a:t>If constraints are not satisfied, a node with two parents from known list with minimum average latency is selected</a:t>
+              <a:t>If constraints are not satisfied, a node with two parents </a:t>
+            </a:r>
+            <a:r>
+              <a:rPr lang="en-US" dirty="0" smtClean="0"/>
+              <a:t>(or one) from </a:t>
+            </a:r>
+            <a:r>
+              <a:rPr lang="en-US" dirty="0" smtClean="0"/>
+              <a:t>known list with minimum average latency is selected</a:t>
             </a:r>
             <a:endParaRPr lang="en-US" dirty="0"/>
           </a:p>
